--- a/第7章-机器学习与遥感影像分类-6课时/第7章-机器学习与遥感影像分类.pptx
+++ b/第7章-机器学习与遥感影像分类-6课时/第7章-机器学习与遥感影像分类.pptx
@@ -17264,7 +17264,7 @@
         <p:spPr>
           <a:xfrm>
             <a:off x="317665" y="3258253"/>
-            <a:ext cx="8508670" cy="662489"/>
+            <a:ext cx="2658291" cy="662489"/>
           </a:xfrm>
           <a:prstGeom prst="rect">
             <a:avLst/>
@@ -19473,7 +19473,7 @@
         <p:spPr>
           <a:xfrm>
             <a:off x="254000" y="676570"/>
-            <a:ext cx="4737819" cy="743986"/>
+            <a:ext cx="3309007" cy="743986"/>
           </a:xfrm>
           <a:prstGeom prst="rect">
             <a:avLst/>
@@ -20104,8 +20104,8 @@
         </p:nvSpPr>
         <p:spPr>
           <a:xfrm>
-            <a:off x="254000" y="1385426"/>
-            <a:ext cx="8636000" cy="523220"/>
+            <a:off x="496046" y="1385426"/>
+            <a:ext cx="8253507" cy="523220"/>
           </a:xfrm>
           <a:prstGeom prst="rect">
             <a:avLst/>
@@ -20235,7 +20235,7 @@
         </p:nvSpPr>
         <p:spPr>
           <a:xfrm>
-            <a:off x="254000" y="676570"/>
+            <a:off x="254000" y="657652"/>
             <a:ext cx="4737819" cy="743986"/>
           </a:xfrm>
           <a:prstGeom prst="rect">
@@ -20288,8 +20288,8 @@
         </p:nvSpPr>
         <p:spPr>
           <a:xfrm>
-            <a:off x="254000" y="1881845"/>
-            <a:ext cx="8689422" cy="4739759"/>
+            <a:off x="254000" y="1837703"/>
+            <a:ext cx="8689422" cy="5078313"/>
           </a:xfrm>
           <a:prstGeom prst="rect">
             <a:avLst/>
@@ -20571,7 +20571,27 @@
                 <a:latin typeface="+mn-ea"/>
                 <a:ea typeface="+mn-ea"/>
               </a:rPr>
-              <a:t>，参照论文格式，包含题目、摘要、介绍、方法、结果等部分。</a:t>
+              <a:t>，参照论文格式，包含题目、摘要、介绍、方法、结果等部分。提供</a:t>
+            </a:r>
+            <a:r>
+              <a:rPr lang="zh-CN" altLang="en-US" sz="2200" b="1" u="sng" dirty="0">
+                <a:solidFill>
+                  <a:schemeClr val="bg2"/>
+                </a:solidFill>
+                <a:latin typeface="+mn-ea"/>
+                <a:ea typeface="+mn-ea"/>
+              </a:rPr>
+              <a:t>小组成员分工说明</a:t>
+            </a:r>
+            <a:r>
+              <a:rPr lang="zh-CN" altLang="en-US" sz="2200" dirty="0">
+                <a:solidFill>
+                  <a:schemeClr val="bg2"/>
+                </a:solidFill>
+                <a:latin typeface="+mn-ea"/>
+                <a:ea typeface="+mn-ea"/>
+              </a:rPr>
+              <a:t>。</a:t>
             </a:r>
             <a:endParaRPr lang="en-US" altLang="zh-CN" sz="2200" dirty="0">
               <a:solidFill>
@@ -20641,7 +20661,7 @@
                 <a:latin typeface="+mn-ea"/>
                 <a:ea typeface="+mn-ea"/>
               </a:rPr>
-              <a:t>代码需每行进行注解。</a:t>
+              <a:t>代码需每行注解。需提供小组成员分工说明。</a:t>
             </a:r>
             <a:endParaRPr lang="en-US" altLang="zh-CN" sz="2200" b="1" u="sng" dirty="0">
               <a:solidFill>
@@ -20857,7 +20877,7 @@
         </p:nvSpPr>
         <p:spPr>
           <a:xfrm>
-            <a:off x="254000" y="1355931"/>
+            <a:off x="254000" y="1349625"/>
             <a:ext cx="8636000" cy="523220"/>
           </a:xfrm>
           <a:prstGeom prst="rect">
@@ -21033,8 +21053,8 @@
         </p:nvSpPr>
         <p:spPr>
           <a:xfrm>
-            <a:off x="254000" y="1881845"/>
-            <a:ext cx="8689422" cy="4616648"/>
+            <a:off x="254000" y="2001659"/>
+            <a:ext cx="8689422" cy="4154984"/>
           </a:xfrm>
           <a:prstGeom prst="rect">
             <a:avLst/>
@@ -21097,7 +21117,7 @@
                 <a:ea typeface="+mn-ea"/>
                 <a:hlinkClick r:id="rId3"/>
               </a:rPr>
-              <a:t>https://zenodo.org/records/5571936</a:t>
+              <a:t>https://zenodo.org/records/7254221</a:t>
             </a:r>
             <a:r>
               <a:rPr lang="zh-CN" altLang="en-US" sz="1800" dirty="0">
@@ -21239,57 +21259,6 @@
                 <a:latin typeface="+mn-ea"/>
                 <a:ea typeface="+mn-ea"/>
               </a:rPr>
-              <a:t>4</a:t>
-            </a:r>
-            <a:r>
-              <a:rPr lang="zh-CN" altLang="en-US" sz="2000" dirty="0">
-                <a:solidFill>
-                  <a:srgbClr val="333333"/>
-                </a:solidFill>
-                <a:latin typeface="+mn-ea"/>
-                <a:ea typeface="+mn-ea"/>
-              </a:rPr>
-              <a:t>）地表覆盖数据：</a:t>
-            </a:r>
-            <a:r>
-              <a:rPr lang="en-US" altLang="zh-CN" sz="2000" dirty="0">
-                <a:solidFill>
-                  <a:srgbClr val="333333"/>
-                </a:solidFill>
-                <a:latin typeface="+mn-ea"/>
-                <a:ea typeface="+mn-ea"/>
-              </a:rPr>
-              <a:t> </a:t>
-            </a:r>
-            <a:r>
-              <a:rPr lang="en-US" altLang="zh-CN" sz="2000" dirty="0">
-                <a:solidFill>
-                  <a:srgbClr val="333333"/>
-                </a:solidFill>
-                <a:latin typeface="+mn-ea"/>
-                <a:ea typeface="+mn-ea"/>
-                <a:hlinkClick r:id="rId7"/>
-              </a:rPr>
-              <a:t>https://zenodo.org/records/7254221</a:t>
-            </a:r>
-            <a:endParaRPr lang="en-US" altLang="zh-CN" sz="2000" dirty="0">
-              <a:solidFill>
-                <a:srgbClr val="333333"/>
-              </a:solidFill>
-              <a:latin typeface="+mn-ea"/>
-              <a:ea typeface="+mn-ea"/>
-            </a:endParaRPr>
-          </a:p>
-          <a:p>
-            <a:pPr algn="just"/>
-            <a:r>
-              <a:rPr lang="en-US" altLang="zh-CN" sz="2000" dirty="0">
-                <a:solidFill>
-                  <a:srgbClr val="333333"/>
-                </a:solidFill>
-                <a:latin typeface="+mn-ea"/>
-                <a:ea typeface="+mn-ea"/>
-              </a:rPr>
               <a:t>5</a:t>
             </a:r>
             <a:r>
@@ -21309,7 +21278,7 @@
                 </a:solidFill>
                 <a:latin typeface="+mn-ea"/>
                 <a:ea typeface="+mn-ea"/>
-                <a:hlinkClick r:id="rId8"/>
+                <a:hlinkClick r:id="rId7"/>
               </a:rPr>
               <a:t>https://www.glims.org/rgi_user_guide/welcome.html</a:t>
             </a:r>
@@ -21350,7 +21319,7 @@
                 </a:solidFill>
                 <a:latin typeface="+mn-ea"/>
                 <a:ea typeface="+mn-ea"/>
-                <a:hlinkClick r:id="rId9"/>
+                <a:hlinkClick r:id="rId8"/>
               </a:rPr>
               <a:t>https://www.hydrosheds.org/products/hydrolakes</a:t>
             </a:r>
@@ -21481,7 +21450,7 @@
         </p:nvSpPr>
         <p:spPr>
           <a:xfrm>
-            <a:off x="254000" y="1355931"/>
+            <a:off x="254000" y="1412685"/>
             <a:ext cx="8636000" cy="523220"/>
           </a:xfrm>
           <a:prstGeom prst="rect">
@@ -21669,26 +21638,21 @@
               </a:rPr>
               <a:t>腾讯会议：</a:t>
             </a:r>
-            <a:endParaRPr lang="en-US" altLang="zh-CN" sz="6600" b="1">
-              <a:solidFill>
-                <a:srgbClr val="FF0000"/>
-              </a:solidFill>
-            </a:endParaRPr>
-          </a:p>
-          <a:p>
-            <a:r>
-              <a:rPr lang="en-US" altLang="zh-CN" sz="6600" b="1">
-                <a:solidFill>
-                  <a:srgbClr val="FF0000"/>
-                </a:solidFill>
-              </a:rPr>
-              <a:t>174-511-877</a:t>
-            </a:r>
             <a:endParaRPr lang="en-US" altLang="zh-CN" sz="6600" b="1" dirty="0">
               <a:solidFill>
                 <a:srgbClr val="FF0000"/>
               </a:solidFill>
             </a:endParaRPr>
+          </a:p>
+          <a:p>
+            <a:r>
+              <a:rPr lang="en-US" altLang="zh-CN" sz="6600" b="1" dirty="0">
+                <a:solidFill>
+                  <a:srgbClr val="FF0000"/>
+                </a:solidFill>
+              </a:rPr>
+              <a:t>474-165-941</a:t>
+            </a:r>
           </a:p>
         </p:txBody>
       </p:sp>
